--- a/PPT/Analysis of Adverse Drug Effects Using Big Data.pptx
+++ b/PPT/Analysis of Adverse Drug Effects Using Big Data.pptx
@@ -5,7 +5,7 @@
     <p:sldMasterId id="2147483648" r:id="rId1"/>
   </p:sldMasterIdLst>
   <p:notesMasterIdLst>
-    <p:notesMasterId r:id="rId29"/>
+    <p:notesMasterId r:id="rId30"/>
   </p:notesMasterIdLst>
   <p:sldIdLst>
     <p:sldId id="256" r:id="rId2"/>
@@ -24,17 +24,18 @@
     <p:sldId id="271" r:id="rId15"/>
     <p:sldId id="293" r:id="rId16"/>
     <p:sldId id="277" r:id="rId17"/>
-    <p:sldId id="278" r:id="rId18"/>
-    <p:sldId id="291" r:id="rId19"/>
-    <p:sldId id="288" r:id="rId20"/>
-    <p:sldId id="289" r:id="rId21"/>
+    <p:sldId id="294" r:id="rId18"/>
+    <p:sldId id="295" r:id="rId19"/>
+    <p:sldId id="278" r:id="rId20"/>
+    <p:sldId id="291" r:id="rId21"/>
     <p:sldId id="290" r:id="rId22"/>
-    <p:sldId id="265" r:id="rId23"/>
-    <p:sldId id="266" r:id="rId24"/>
-    <p:sldId id="267" r:id="rId25"/>
-    <p:sldId id="268" r:id="rId26"/>
-    <p:sldId id="269" r:id="rId27"/>
-    <p:sldId id="270" r:id="rId28"/>
+    <p:sldId id="288" r:id="rId23"/>
+    <p:sldId id="289" r:id="rId24"/>
+    <p:sldId id="265" r:id="rId25"/>
+    <p:sldId id="267" r:id="rId26"/>
+    <p:sldId id="268" r:id="rId27"/>
+    <p:sldId id="269" r:id="rId28"/>
+    <p:sldId id="270" r:id="rId29"/>
   </p:sldIdLst>
   <p:sldSz cx="12192000" cy="6858000"/>
   <p:notesSz cx="6858000" cy="9144000"/>
@@ -12068,6 +12069,261 @@
           <a:chExt cx="0" cy="0"/>
         </a:xfrm>
       </p:grpSpPr>
+      <p:pic>
+        <p:nvPicPr>
+          <p:cNvPr id="6" name="Picture 5">
+            <a:extLst>
+              <a:ext uri="{FF2B5EF4-FFF2-40B4-BE49-F238E27FC236}">
+                <a16:creationId xmlns:a16="http://schemas.microsoft.com/office/drawing/2014/main" id="{E2197399-FC92-B37C-AB2B-3D11A4EC7D51}"/>
+              </a:ext>
+            </a:extLst>
+          </p:cNvPr>
+          <p:cNvPicPr>
+            <a:picLocks noChangeAspect="1"/>
+          </p:cNvPicPr>
+          <p:nvPr/>
+        </p:nvPicPr>
+        <p:blipFill>
+          <a:blip r:embed="rId2"/>
+          <a:stretch>
+            <a:fillRect/>
+          </a:stretch>
+        </p:blipFill>
+        <p:spPr>
+          <a:xfrm>
+            <a:off x="538635" y="1300899"/>
+            <a:ext cx="11114730" cy="1480202"/>
+          </a:xfrm>
+          <a:prstGeom prst="rect">
+            <a:avLst/>
+          </a:prstGeom>
+        </p:spPr>
+      </p:pic>
+      <p:pic>
+        <p:nvPicPr>
+          <p:cNvPr id="8" name="Picture 7">
+            <a:extLst>
+              <a:ext uri="{FF2B5EF4-FFF2-40B4-BE49-F238E27FC236}">
+                <a16:creationId xmlns:a16="http://schemas.microsoft.com/office/drawing/2014/main" id="{AF1FFD27-4D65-0096-0BC5-D2A8E073D909}"/>
+              </a:ext>
+            </a:extLst>
+          </p:cNvPr>
+          <p:cNvPicPr>
+            <a:picLocks noChangeAspect="1"/>
+          </p:cNvPicPr>
+          <p:nvPr/>
+        </p:nvPicPr>
+        <p:blipFill>
+          <a:blip r:embed="rId3"/>
+          <a:stretch>
+            <a:fillRect/>
+          </a:stretch>
+        </p:blipFill>
+        <p:spPr>
+          <a:xfrm>
+            <a:off x="411924" y="3365176"/>
+            <a:ext cx="11132144" cy="2969444"/>
+          </a:xfrm>
+          <a:prstGeom prst="rect">
+            <a:avLst/>
+          </a:prstGeom>
+        </p:spPr>
+      </p:pic>
+      <p:sp>
+        <p:nvSpPr>
+          <p:cNvPr id="9" name="TextBox 8">
+            <a:extLst>
+              <a:ext uri="{FF2B5EF4-FFF2-40B4-BE49-F238E27FC236}">
+                <a16:creationId xmlns:a16="http://schemas.microsoft.com/office/drawing/2014/main" id="{6DB35BD0-86ED-DAA8-5159-A22C738095F2}"/>
+              </a:ext>
+            </a:extLst>
+          </p:cNvPr>
+          <p:cNvSpPr txBox="1"/>
+          <p:nvPr/>
+        </p:nvSpPr>
+        <p:spPr>
+          <a:xfrm>
+            <a:off x="538635" y="311085"/>
+            <a:ext cx="3842590" cy="461665"/>
+          </a:xfrm>
+          <a:prstGeom prst="rect">
+            <a:avLst/>
+          </a:prstGeom>
+          <a:noFill/>
+        </p:spPr>
+        <p:txBody>
+          <a:bodyPr wrap="none" rtlCol="0">
+            <a:spAutoFit/>
+          </a:bodyPr>
+          <a:lstStyle/>
+          <a:p>
+            <a:r>
+              <a:rPr lang="en-IN" sz="2400" b="1" dirty="0"/>
+              <a:t>Limiting the unique values</a:t>
+            </a:r>
+          </a:p>
+        </p:txBody>
+      </p:sp>
+      <p:sp>
+        <p:nvSpPr>
+          <p:cNvPr id="10" name="TextBox 9">
+            <a:extLst>
+              <a:ext uri="{FF2B5EF4-FFF2-40B4-BE49-F238E27FC236}">
+                <a16:creationId xmlns:a16="http://schemas.microsoft.com/office/drawing/2014/main" id="{062CFDB0-CA98-BBED-4F44-B2BC8A7AB790}"/>
+              </a:ext>
+            </a:extLst>
+          </p:cNvPr>
+          <p:cNvSpPr txBox="1"/>
+          <p:nvPr/>
+        </p:nvSpPr>
+        <p:spPr>
+          <a:xfrm>
+            <a:off x="538635" y="2903511"/>
+            <a:ext cx="4867551" cy="461665"/>
+          </a:xfrm>
+          <a:prstGeom prst="rect">
+            <a:avLst/>
+          </a:prstGeom>
+          <a:noFill/>
+        </p:spPr>
+        <p:txBody>
+          <a:bodyPr wrap="none" rtlCol="0">
+            <a:spAutoFit/>
+          </a:bodyPr>
+          <a:lstStyle/>
+          <a:p>
+            <a:r>
+              <a:rPr lang="en-IN" sz="2400" b="1" dirty="0"/>
+              <a:t>Indexing the categorical variables</a:t>
+            </a:r>
+          </a:p>
+        </p:txBody>
+      </p:sp>
+    </p:spTree>
+    <p:extLst>
+      <p:ext uri="{BB962C8B-B14F-4D97-AF65-F5344CB8AC3E}">
+        <p14:creationId xmlns:p14="http://schemas.microsoft.com/office/powerpoint/2010/main" val="3690401118"/>
+      </p:ext>
+    </p:extLst>
+  </p:cSld>
+  <p:clrMapOvr>
+    <a:masterClrMapping/>
+  </p:clrMapOvr>
+</p:sld>
+</file>
+
+<file path=ppt/slides/slide18.xml><?xml version="1.0" encoding="utf-8"?>
+<p:sld xmlns:a="http://schemas.openxmlformats.org/drawingml/2006/main" xmlns:r="http://schemas.openxmlformats.org/officeDocument/2006/relationships" xmlns:p="http://schemas.openxmlformats.org/presentationml/2006/main">
+  <p:cSld>
+    <p:spTree>
+      <p:nvGrpSpPr>
+        <p:cNvPr id="1" name=""/>
+        <p:cNvGrpSpPr/>
+        <p:nvPr/>
+      </p:nvGrpSpPr>
+      <p:grpSpPr>
+        <a:xfrm>
+          <a:off x="0" y="0"/>
+          <a:ext cx="0" cy="0"/>
+          <a:chOff x="0" y="0"/>
+          <a:chExt cx="0" cy="0"/>
+        </a:xfrm>
+      </p:grpSpPr>
+      <p:pic>
+        <p:nvPicPr>
+          <p:cNvPr id="5" name="Picture 4">
+            <a:extLst>
+              <a:ext uri="{FF2B5EF4-FFF2-40B4-BE49-F238E27FC236}">
+                <a16:creationId xmlns:a16="http://schemas.microsoft.com/office/drawing/2014/main" id="{3D2830E7-4E33-A3BA-746F-8D539FD896E4}"/>
+              </a:ext>
+            </a:extLst>
+          </p:cNvPr>
+          <p:cNvPicPr>
+            <a:picLocks noChangeAspect="1"/>
+          </p:cNvPicPr>
+          <p:nvPr/>
+        </p:nvPicPr>
+        <p:blipFill>
+          <a:blip r:embed="rId2"/>
+          <a:stretch>
+            <a:fillRect/>
+          </a:stretch>
+        </p:blipFill>
+        <p:spPr>
+          <a:xfrm>
+            <a:off x="654233" y="2618833"/>
+            <a:ext cx="10609137" cy="2782725"/>
+          </a:xfrm>
+          <a:prstGeom prst="rect">
+            <a:avLst/>
+          </a:prstGeom>
+        </p:spPr>
+      </p:pic>
+      <p:sp>
+        <p:nvSpPr>
+          <p:cNvPr id="6" name="TextBox 5">
+            <a:extLst>
+              <a:ext uri="{FF2B5EF4-FFF2-40B4-BE49-F238E27FC236}">
+                <a16:creationId xmlns:a16="http://schemas.microsoft.com/office/drawing/2014/main" id="{2CA82E42-6789-B49C-F692-FDC6F216CC02}"/>
+              </a:ext>
+            </a:extLst>
+          </p:cNvPr>
+          <p:cNvSpPr txBox="1"/>
+          <p:nvPr/>
+        </p:nvSpPr>
+        <p:spPr>
+          <a:xfrm>
+            <a:off x="754145" y="1338606"/>
+            <a:ext cx="2137124" cy="646331"/>
+          </a:xfrm>
+          <a:prstGeom prst="rect">
+            <a:avLst/>
+          </a:prstGeom>
+          <a:noFill/>
+        </p:spPr>
+        <p:txBody>
+          <a:bodyPr wrap="none" rtlCol="0">
+            <a:spAutoFit/>
+          </a:bodyPr>
+          <a:lstStyle/>
+          <a:p>
+            <a:r>
+              <a:rPr lang="en-IN" sz="3600" b="1" dirty="0"/>
+              <a:t>Pipelines</a:t>
+            </a:r>
+          </a:p>
+        </p:txBody>
+      </p:sp>
+    </p:spTree>
+    <p:extLst>
+      <p:ext uri="{BB962C8B-B14F-4D97-AF65-F5344CB8AC3E}">
+        <p14:creationId xmlns:p14="http://schemas.microsoft.com/office/powerpoint/2010/main" val="3450508703"/>
+      </p:ext>
+    </p:extLst>
+  </p:cSld>
+  <p:clrMapOvr>
+    <a:masterClrMapping/>
+  </p:clrMapOvr>
+</p:sld>
+</file>
+
+<file path=ppt/slides/slide19.xml><?xml version="1.0" encoding="utf-8"?>
+<p:sld xmlns:a="http://schemas.openxmlformats.org/drawingml/2006/main" xmlns:r="http://schemas.openxmlformats.org/officeDocument/2006/relationships" xmlns:p="http://schemas.openxmlformats.org/presentationml/2006/main">
+  <p:cSld>
+    <p:spTree>
+      <p:nvGrpSpPr>
+        <p:cNvPr id="1" name=""/>
+        <p:cNvGrpSpPr/>
+        <p:nvPr/>
+      </p:nvGrpSpPr>
+      <p:grpSpPr>
+        <a:xfrm>
+          <a:off x="0" y="0"/>
+          <a:ext cx="0" cy="0"/>
+          <a:chOff x="0" y="0"/>
+          <a:chExt cx="0" cy="0"/>
+        </a:xfrm>
+      </p:grpSpPr>
       <p:sp>
         <p:nvSpPr>
           <p:cNvPr id="2" name="Title 1">
@@ -12212,7 +12468,247 @@
 </p:sld>
 </file>
 
-<file path=ppt/slides/slide18.xml><?xml version="1.0" encoding="utf-8"?>
+<file path=ppt/slides/slide2.xml><?xml version="1.0" encoding="utf-8"?>
+<p:sld xmlns:a="http://schemas.openxmlformats.org/drawingml/2006/main" xmlns:r="http://schemas.openxmlformats.org/officeDocument/2006/relationships" xmlns:p="http://schemas.openxmlformats.org/presentationml/2006/main">
+  <p:cSld>
+    <p:spTree>
+      <p:nvGrpSpPr>
+        <p:cNvPr id="1" name=""/>
+        <p:cNvGrpSpPr/>
+        <p:nvPr/>
+      </p:nvGrpSpPr>
+      <p:grpSpPr>
+        <a:xfrm>
+          <a:off x="0" y="0"/>
+          <a:ext cx="0" cy="0"/>
+          <a:chOff x="0" y="0"/>
+          <a:chExt cx="0" cy="0"/>
+        </a:xfrm>
+      </p:grpSpPr>
+      <p:sp>
+        <p:nvSpPr>
+          <p:cNvPr id="2" name="Title 1">
+            <a:extLst>
+              <a:ext uri="{FF2B5EF4-FFF2-40B4-BE49-F238E27FC236}">
+                <a16:creationId xmlns:a16="http://schemas.microsoft.com/office/drawing/2014/main" id="{A1320E3D-FA62-92E3-AF4D-817CAD490E2A}"/>
+              </a:ext>
+            </a:extLst>
+          </p:cNvPr>
+          <p:cNvSpPr>
+            <a:spLocks noGrp="1"/>
+          </p:cNvSpPr>
+          <p:nvPr>
+            <p:ph type="title"/>
+          </p:nvPr>
+        </p:nvSpPr>
+        <p:spPr>
+          <a:xfrm>
+            <a:off x="838200" y="365125"/>
+            <a:ext cx="10515600" cy="1033907"/>
+          </a:xfrm>
+        </p:spPr>
+        <p:txBody>
+          <a:bodyPr/>
+          <a:lstStyle/>
+          <a:p>
+            <a:r>
+              <a:rPr lang="en-US" sz="4400" b="1" kern="1200" dirty="0">
+                <a:solidFill>
+                  <a:schemeClr val="tx1"/>
+                </a:solidFill>
+                <a:latin typeface="+mj-lt"/>
+                <a:ea typeface="+mj-ea"/>
+                <a:cs typeface="+mj-cs"/>
+              </a:rPr>
+              <a:t>General description</a:t>
+            </a:r>
+            <a:endParaRPr lang="en-IN" dirty="0"/>
+          </a:p>
+        </p:txBody>
+      </p:sp>
+      <p:sp>
+        <p:nvSpPr>
+          <p:cNvPr id="7" name="TextBox 6">
+            <a:extLst>
+              <a:ext uri="{FF2B5EF4-FFF2-40B4-BE49-F238E27FC236}">
+                <a16:creationId xmlns:a16="http://schemas.microsoft.com/office/drawing/2014/main" id="{CDB277C3-A10E-2A18-46F6-46338C07392F}"/>
+              </a:ext>
+            </a:extLst>
+          </p:cNvPr>
+          <p:cNvSpPr txBox="1"/>
+          <p:nvPr/>
+        </p:nvSpPr>
+        <p:spPr>
+          <a:xfrm>
+            <a:off x="649224" y="1399032"/>
+            <a:ext cx="4645152" cy="4524315"/>
+          </a:xfrm>
+          <a:prstGeom prst="rect">
+            <a:avLst/>
+          </a:prstGeom>
+          <a:noFill/>
+        </p:spPr>
+        <p:txBody>
+          <a:bodyPr wrap="square" rtlCol="0">
+            <a:spAutoFit/>
+          </a:bodyPr>
+          <a:lstStyle/>
+          <a:p>
+            <a:pPr marL="285750" indent="-285750">
+              <a:buFont typeface="Arial" panose="020B0604020202020204" pitchFamily="34" charset="0"/>
+              <a:buChar char="•"/>
+            </a:pPr>
+            <a:endParaRPr lang="en-US" dirty="0"/>
+          </a:p>
+          <a:p>
+            <a:pPr marL="285750" indent="-285750">
+              <a:buFont typeface="Arial" panose="020B0604020202020204" pitchFamily="34" charset="0"/>
+              <a:buChar char="•"/>
+            </a:pPr>
+            <a:endParaRPr lang="en-US" dirty="0"/>
+          </a:p>
+          <a:p>
+            <a:pPr marL="285750" indent="-285750">
+              <a:buFont typeface="Arial" panose="020B0604020202020204" pitchFamily="34" charset="0"/>
+              <a:buChar char="•"/>
+            </a:pPr>
+            <a:r>
+              <a:rPr lang="en-US" dirty="0"/>
+              <a:t>What are Adverse Drug Effects (ADEs)?</a:t>
+            </a:r>
+          </a:p>
+          <a:p>
+            <a:pPr marL="742950" lvl="1" indent="-285750">
+              <a:buFont typeface="Arial" panose="020B0604020202020204" pitchFamily="34" charset="0"/>
+              <a:buChar char="•"/>
+            </a:pPr>
+            <a:r>
+              <a:rPr lang="en-US" dirty="0"/>
+              <a:t>Undesirable and harmful reactions resulting from medications.</a:t>
+            </a:r>
+          </a:p>
+          <a:p>
+            <a:pPr marL="285750" indent="-285750">
+              <a:buFont typeface="Arial" panose="020B0604020202020204" pitchFamily="34" charset="0"/>
+              <a:buChar char="•"/>
+            </a:pPr>
+            <a:endParaRPr lang="en-US" dirty="0"/>
+          </a:p>
+          <a:p>
+            <a:pPr marL="285750" indent="-285750">
+              <a:buFont typeface="Arial" panose="020B0604020202020204" pitchFamily="34" charset="0"/>
+              <a:buChar char="•"/>
+            </a:pPr>
+            <a:r>
+              <a:rPr lang="en-US" dirty="0"/>
+              <a:t>Need for ADE Analysis:</a:t>
+            </a:r>
+          </a:p>
+          <a:p>
+            <a:pPr marL="742950" lvl="1" indent="-285750">
+              <a:buFont typeface="Arial" panose="020B0604020202020204" pitchFamily="34" charset="0"/>
+              <a:buChar char="•"/>
+            </a:pPr>
+            <a:r>
+              <a:rPr lang="en-US" dirty="0"/>
+              <a:t>Early detection </a:t>
+            </a:r>
+          </a:p>
+          <a:p>
+            <a:pPr marL="742950" lvl="1" indent="-285750">
+              <a:buFont typeface="Arial" panose="020B0604020202020204" pitchFamily="34" charset="0"/>
+              <a:buChar char="•"/>
+            </a:pPr>
+            <a:r>
+              <a:rPr lang="en-IN" dirty="0"/>
+              <a:t>Traditional methods are time-consuming</a:t>
+            </a:r>
+            <a:endParaRPr lang="en-US" dirty="0"/>
+          </a:p>
+          <a:p>
+            <a:pPr marL="285750" indent="-285750">
+              <a:buFont typeface="Arial" panose="020B0604020202020204" pitchFamily="34" charset="0"/>
+              <a:buChar char="•"/>
+            </a:pPr>
+            <a:endParaRPr lang="en-US" dirty="0"/>
+          </a:p>
+          <a:p>
+            <a:pPr marL="285750" indent="-285750">
+              <a:buFont typeface="Arial" panose="020B0604020202020204" pitchFamily="34" charset="0"/>
+              <a:buChar char="•"/>
+            </a:pPr>
+            <a:r>
+              <a:rPr lang="en-US" dirty="0"/>
+              <a:t>Role of Big Data and Cloud Computing:</a:t>
+            </a:r>
+          </a:p>
+          <a:p>
+            <a:pPr marL="742950" lvl="1" indent="-285750">
+              <a:buFont typeface="Arial" panose="020B0604020202020204" pitchFamily="34" charset="0"/>
+              <a:buChar char="•"/>
+            </a:pPr>
+            <a:r>
+              <a:rPr lang="en-US" dirty="0"/>
+              <a:t>Enables analysis of vast amounts of drug and patient data.</a:t>
+            </a:r>
+          </a:p>
+          <a:p>
+            <a:pPr marL="742950" lvl="1" indent="-285750">
+              <a:buFont typeface="Arial" panose="020B0604020202020204" pitchFamily="34" charset="0"/>
+              <a:buChar char="•"/>
+            </a:pPr>
+            <a:r>
+              <a:rPr lang="en-US" dirty="0"/>
+              <a:t>Scalable, fast, and cost-efficient solutions</a:t>
+            </a:r>
+            <a:endParaRPr lang="en-IN" dirty="0"/>
+          </a:p>
+        </p:txBody>
+      </p:sp>
+      <p:pic>
+        <p:nvPicPr>
+          <p:cNvPr id="15" name="Picture 14" descr="A white rectangular object with a hexagon and black text&#10;&#10;Description automatically generated">
+            <a:extLst>
+              <a:ext uri="{FF2B5EF4-FFF2-40B4-BE49-F238E27FC236}">
+                <a16:creationId xmlns:a16="http://schemas.microsoft.com/office/drawing/2014/main" id="{F599D820-3C9F-03B3-9FF5-4AFEECF08533}"/>
+              </a:ext>
+            </a:extLst>
+          </p:cNvPr>
+          <p:cNvPicPr>
+            <a:picLocks noChangeAspect="1"/>
+          </p:cNvPicPr>
+          <p:nvPr/>
+        </p:nvPicPr>
+        <p:blipFill>
+          <a:blip r:embed="rId2"/>
+          <a:stretch>
+            <a:fillRect/>
+          </a:stretch>
+        </p:blipFill>
+        <p:spPr>
+          <a:xfrm>
+            <a:off x="5294376" y="1636776"/>
+            <a:ext cx="6720840" cy="3310128"/>
+          </a:xfrm>
+          <a:prstGeom prst="rect">
+            <a:avLst/>
+          </a:prstGeom>
+        </p:spPr>
+      </p:pic>
+    </p:spTree>
+    <p:extLst>
+      <p:ext uri="{BB962C8B-B14F-4D97-AF65-F5344CB8AC3E}">
+        <p14:creationId xmlns:p14="http://schemas.microsoft.com/office/powerpoint/2010/main" val="857891950"/>
+      </p:ext>
+    </p:extLst>
+  </p:cSld>
+  <p:clrMapOvr>
+    <a:masterClrMapping/>
+  </p:clrMapOvr>
+</p:sld>
+</file>
+
+<file path=ppt/slides/slide20.xml><?xml version="1.0" encoding="utf-8"?>
 <p:sld xmlns:a="http://schemas.openxmlformats.org/drawingml/2006/main" xmlns:r="http://schemas.openxmlformats.org/officeDocument/2006/relationships" xmlns:p="http://schemas.openxmlformats.org/presentationml/2006/main">
   <p:cSld>
     <p:spTree>
@@ -12514,16 +13010,19 @@
               <a:buFont typeface="+mj-lt"/>
               <a:buAutoNum type="arabicPeriod" startAt="6"/>
             </a:pPr>
-            <a:endParaRPr kumimoji="0" lang="en-US" altLang="en-US" sz="4000" b="0" i="0" u="none" strike="noStrike" cap="none" normalizeH="0" baseline="0" dirty="0">
-              <a:ln>
-                <a:noFill/>
-              </a:ln>
-              <a:solidFill>
-                <a:schemeClr val="tx1"/>
-              </a:solidFill>
-              <a:effectLst/>
-              <a:latin typeface="Arial" panose="020B0604020202020204" pitchFamily="34" charset="0"/>
-            </a:endParaRPr>
+            <a:r>
+              <a:rPr kumimoji="0" lang="en-US" altLang="en-US" sz="4000" b="0" i="0" u="none" strike="noStrike" cap="none" normalizeH="0" baseline="0" dirty="0">
+                <a:ln>
+                  <a:noFill/>
+                </a:ln>
+                <a:solidFill>
+                  <a:schemeClr val="tx1"/>
+                </a:solidFill>
+                <a:effectLst/>
+                <a:latin typeface="Arial" panose="020B0604020202020204" pitchFamily="34" charset="0"/>
+              </a:rPr>
+              <a:t>`</a:t>
+            </a:r>
           </a:p>
           <a:p>
             <a:endParaRPr lang="en-US" sz="1600" dirty="0"/>
@@ -12623,581 +13122,6 @@
     <p:extLst>
       <p:ext uri="{BB962C8B-B14F-4D97-AF65-F5344CB8AC3E}">
         <p14:creationId xmlns:p14="http://schemas.microsoft.com/office/powerpoint/2010/main" val="3568131544"/>
-      </p:ext>
-    </p:extLst>
-  </p:cSld>
-  <p:clrMapOvr>
-    <a:masterClrMapping/>
-  </p:clrMapOvr>
-</p:sld>
-</file>
-
-<file path=ppt/slides/slide19.xml><?xml version="1.0" encoding="utf-8"?>
-<p:sld xmlns:a="http://schemas.openxmlformats.org/drawingml/2006/main" xmlns:r="http://schemas.openxmlformats.org/officeDocument/2006/relationships" xmlns:p="http://schemas.openxmlformats.org/presentationml/2006/main">
-  <p:cSld>
-    <p:spTree>
-      <p:nvGrpSpPr>
-        <p:cNvPr id="1" name=""/>
-        <p:cNvGrpSpPr/>
-        <p:nvPr/>
-      </p:nvGrpSpPr>
-      <p:grpSpPr>
-        <a:xfrm>
-          <a:off x="0" y="0"/>
-          <a:ext cx="0" cy="0"/>
-          <a:chOff x="0" y="0"/>
-          <a:chExt cx="0" cy="0"/>
-        </a:xfrm>
-      </p:grpSpPr>
-      <p:sp>
-        <p:nvSpPr>
-          <p:cNvPr id="2" name="Title 1">
-            <a:extLst>
-              <a:ext uri="{FF2B5EF4-FFF2-40B4-BE49-F238E27FC236}">
-                <a16:creationId xmlns:a16="http://schemas.microsoft.com/office/drawing/2014/main" id="{6391CD11-5426-5AF2-09DF-462D0298E429}"/>
-              </a:ext>
-            </a:extLst>
-          </p:cNvPr>
-          <p:cNvSpPr>
-            <a:spLocks noGrp="1"/>
-          </p:cNvSpPr>
-          <p:nvPr>
-            <p:ph type="title"/>
-          </p:nvPr>
-        </p:nvSpPr>
-        <p:spPr>
-          <a:xfrm>
-            <a:off x="374905" y="69038"/>
-            <a:ext cx="10515600" cy="1325563"/>
-          </a:xfrm>
-        </p:spPr>
-        <p:txBody>
-          <a:bodyPr/>
-          <a:lstStyle/>
-          <a:p>
-            <a:r>
-              <a:rPr lang="en-US" b="1" dirty="0"/>
-              <a:t>Develop Predictive Models</a:t>
-            </a:r>
-            <a:endParaRPr lang="en-IN" dirty="0"/>
-          </a:p>
-        </p:txBody>
-      </p:sp>
-      <p:pic>
-        <p:nvPicPr>
-          <p:cNvPr id="7" name="Picture 6">
-            <a:extLst>
-              <a:ext uri="{FF2B5EF4-FFF2-40B4-BE49-F238E27FC236}">
-                <a16:creationId xmlns:a16="http://schemas.microsoft.com/office/drawing/2014/main" id="{BFDA6B15-0E4D-159F-4631-4A86CEC13091}"/>
-              </a:ext>
-            </a:extLst>
-          </p:cNvPr>
-          <p:cNvPicPr>
-            <a:picLocks noChangeAspect="1"/>
-          </p:cNvPicPr>
-          <p:nvPr/>
-        </p:nvPicPr>
-        <p:blipFill>
-          <a:blip r:embed="rId2">
-            <a:extLst>
-              <a:ext uri="{28A0092B-C50C-407E-A947-70E740481C1C}">
-                <a14:useLocalDpi xmlns:a14="http://schemas.microsoft.com/office/drawing/2010/main" val="0"/>
-              </a:ext>
-            </a:extLst>
-          </a:blip>
-          <a:stretch>
-            <a:fillRect/>
-          </a:stretch>
-        </p:blipFill>
-        <p:spPr>
-          <a:xfrm>
-            <a:off x="5794630" y="1484598"/>
-            <a:ext cx="5953125" cy="5033391"/>
-          </a:xfrm>
-          <a:prstGeom prst="rect">
-            <a:avLst/>
-          </a:prstGeom>
-        </p:spPr>
-      </p:pic>
-      <p:pic>
-        <p:nvPicPr>
-          <p:cNvPr id="3074" name="Picture 2" descr="Naive Bayes Algorithm. “Probability theory is nothing but… | by KDAG IIT  KGP | Medium">
-            <a:extLst>
-              <a:ext uri="{FF2B5EF4-FFF2-40B4-BE49-F238E27FC236}">
-                <a16:creationId xmlns:a16="http://schemas.microsoft.com/office/drawing/2014/main" id="{CAD7EB0F-B5C7-9D26-7931-B4519512522B}"/>
-              </a:ext>
-            </a:extLst>
-          </p:cNvPr>
-          <p:cNvPicPr>
-            <a:picLocks noChangeAspect="1" noChangeArrowheads="1"/>
-          </p:cNvPicPr>
-          <p:nvPr/>
-        </p:nvPicPr>
-        <p:blipFill>
-          <a:blip r:embed="rId3">
-            <a:extLst>
-              <a:ext uri="{28A0092B-C50C-407E-A947-70E740481C1C}">
-                <a14:useLocalDpi xmlns:a14="http://schemas.microsoft.com/office/drawing/2010/main" val="0"/>
-              </a:ext>
-            </a:extLst>
-          </a:blip>
-          <a:srcRect/>
-          <a:stretch>
-            <a:fillRect/>
-          </a:stretch>
-        </p:blipFill>
-        <p:spPr bwMode="auto">
-          <a:xfrm>
-            <a:off x="180912" y="1484598"/>
-            <a:ext cx="5613718" cy="5008277"/>
-          </a:xfrm>
-          <a:prstGeom prst="rect">
-            <a:avLst/>
-          </a:prstGeom>
-          <a:noFill/>
-          <a:extLst>
-            <a:ext uri="{909E8E84-426E-40DD-AFC4-6F175D3DCCD1}">
-              <a14:hiddenFill xmlns:a14="http://schemas.microsoft.com/office/drawing/2010/main">
-                <a:solidFill>
-                  <a:srgbClr val="FFFFFF"/>
-                </a:solidFill>
-              </a14:hiddenFill>
-            </a:ext>
-          </a:extLst>
-        </p:spPr>
-      </p:pic>
-    </p:spTree>
-    <p:extLst>
-      <p:ext uri="{BB962C8B-B14F-4D97-AF65-F5344CB8AC3E}">
-        <p14:creationId xmlns:p14="http://schemas.microsoft.com/office/powerpoint/2010/main" val="3550976864"/>
-      </p:ext>
-    </p:extLst>
-  </p:cSld>
-  <p:clrMapOvr>
-    <a:masterClrMapping/>
-  </p:clrMapOvr>
-</p:sld>
-</file>
-
-<file path=ppt/slides/slide2.xml><?xml version="1.0" encoding="utf-8"?>
-<p:sld xmlns:a="http://schemas.openxmlformats.org/drawingml/2006/main" xmlns:r="http://schemas.openxmlformats.org/officeDocument/2006/relationships" xmlns:p="http://schemas.openxmlformats.org/presentationml/2006/main">
-  <p:cSld>
-    <p:spTree>
-      <p:nvGrpSpPr>
-        <p:cNvPr id="1" name=""/>
-        <p:cNvGrpSpPr/>
-        <p:nvPr/>
-      </p:nvGrpSpPr>
-      <p:grpSpPr>
-        <a:xfrm>
-          <a:off x="0" y="0"/>
-          <a:ext cx="0" cy="0"/>
-          <a:chOff x="0" y="0"/>
-          <a:chExt cx="0" cy="0"/>
-        </a:xfrm>
-      </p:grpSpPr>
-      <p:sp>
-        <p:nvSpPr>
-          <p:cNvPr id="2" name="Title 1">
-            <a:extLst>
-              <a:ext uri="{FF2B5EF4-FFF2-40B4-BE49-F238E27FC236}">
-                <a16:creationId xmlns:a16="http://schemas.microsoft.com/office/drawing/2014/main" id="{A1320E3D-FA62-92E3-AF4D-817CAD490E2A}"/>
-              </a:ext>
-            </a:extLst>
-          </p:cNvPr>
-          <p:cNvSpPr>
-            <a:spLocks noGrp="1"/>
-          </p:cNvSpPr>
-          <p:nvPr>
-            <p:ph type="title"/>
-          </p:nvPr>
-        </p:nvSpPr>
-        <p:spPr>
-          <a:xfrm>
-            <a:off x="838200" y="365125"/>
-            <a:ext cx="10515600" cy="1033907"/>
-          </a:xfrm>
-        </p:spPr>
-        <p:txBody>
-          <a:bodyPr/>
-          <a:lstStyle/>
-          <a:p>
-            <a:r>
-              <a:rPr lang="en-US" sz="4400" b="1" kern="1200" dirty="0">
-                <a:solidFill>
-                  <a:schemeClr val="tx1"/>
-                </a:solidFill>
-                <a:latin typeface="+mj-lt"/>
-                <a:ea typeface="+mj-ea"/>
-                <a:cs typeface="+mj-cs"/>
-              </a:rPr>
-              <a:t>General description</a:t>
-            </a:r>
-            <a:endParaRPr lang="en-IN" dirty="0"/>
-          </a:p>
-        </p:txBody>
-      </p:sp>
-      <p:sp>
-        <p:nvSpPr>
-          <p:cNvPr id="7" name="TextBox 6">
-            <a:extLst>
-              <a:ext uri="{FF2B5EF4-FFF2-40B4-BE49-F238E27FC236}">
-                <a16:creationId xmlns:a16="http://schemas.microsoft.com/office/drawing/2014/main" id="{CDB277C3-A10E-2A18-46F6-46338C07392F}"/>
-              </a:ext>
-            </a:extLst>
-          </p:cNvPr>
-          <p:cNvSpPr txBox="1"/>
-          <p:nvPr/>
-        </p:nvSpPr>
-        <p:spPr>
-          <a:xfrm>
-            <a:off x="649224" y="1399032"/>
-            <a:ext cx="4645152" cy="4524315"/>
-          </a:xfrm>
-          <a:prstGeom prst="rect">
-            <a:avLst/>
-          </a:prstGeom>
-          <a:noFill/>
-        </p:spPr>
-        <p:txBody>
-          <a:bodyPr wrap="square" rtlCol="0">
-            <a:spAutoFit/>
-          </a:bodyPr>
-          <a:lstStyle/>
-          <a:p>
-            <a:pPr marL="285750" indent="-285750">
-              <a:buFont typeface="Arial" panose="020B0604020202020204" pitchFamily="34" charset="0"/>
-              <a:buChar char="•"/>
-            </a:pPr>
-            <a:endParaRPr lang="en-US" dirty="0"/>
-          </a:p>
-          <a:p>
-            <a:pPr marL="285750" indent="-285750">
-              <a:buFont typeface="Arial" panose="020B0604020202020204" pitchFamily="34" charset="0"/>
-              <a:buChar char="•"/>
-            </a:pPr>
-            <a:endParaRPr lang="en-US" dirty="0"/>
-          </a:p>
-          <a:p>
-            <a:pPr marL="285750" indent="-285750">
-              <a:buFont typeface="Arial" panose="020B0604020202020204" pitchFamily="34" charset="0"/>
-              <a:buChar char="•"/>
-            </a:pPr>
-            <a:r>
-              <a:rPr lang="en-US" dirty="0"/>
-              <a:t>What are Adverse Drug Effects (ADEs)?</a:t>
-            </a:r>
-          </a:p>
-          <a:p>
-            <a:pPr marL="742950" lvl="1" indent="-285750">
-              <a:buFont typeface="Arial" panose="020B0604020202020204" pitchFamily="34" charset="0"/>
-              <a:buChar char="•"/>
-            </a:pPr>
-            <a:r>
-              <a:rPr lang="en-US" dirty="0"/>
-              <a:t>Undesirable and harmful reactions resulting from medications.</a:t>
-            </a:r>
-          </a:p>
-          <a:p>
-            <a:pPr marL="285750" indent="-285750">
-              <a:buFont typeface="Arial" panose="020B0604020202020204" pitchFamily="34" charset="0"/>
-              <a:buChar char="•"/>
-            </a:pPr>
-            <a:endParaRPr lang="en-US" dirty="0"/>
-          </a:p>
-          <a:p>
-            <a:pPr marL="285750" indent="-285750">
-              <a:buFont typeface="Arial" panose="020B0604020202020204" pitchFamily="34" charset="0"/>
-              <a:buChar char="•"/>
-            </a:pPr>
-            <a:r>
-              <a:rPr lang="en-US" dirty="0"/>
-              <a:t>Need for ADE Analysis:</a:t>
-            </a:r>
-          </a:p>
-          <a:p>
-            <a:pPr marL="742950" lvl="1" indent="-285750">
-              <a:buFont typeface="Arial" panose="020B0604020202020204" pitchFamily="34" charset="0"/>
-              <a:buChar char="•"/>
-            </a:pPr>
-            <a:r>
-              <a:rPr lang="en-US" dirty="0"/>
-              <a:t>Early detection </a:t>
-            </a:r>
-          </a:p>
-          <a:p>
-            <a:pPr marL="742950" lvl="1" indent="-285750">
-              <a:buFont typeface="Arial" panose="020B0604020202020204" pitchFamily="34" charset="0"/>
-              <a:buChar char="•"/>
-            </a:pPr>
-            <a:r>
-              <a:rPr lang="en-IN" dirty="0"/>
-              <a:t>Traditional methods are time-consuming</a:t>
-            </a:r>
-            <a:endParaRPr lang="en-US" dirty="0"/>
-          </a:p>
-          <a:p>
-            <a:pPr marL="285750" indent="-285750">
-              <a:buFont typeface="Arial" panose="020B0604020202020204" pitchFamily="34" charset="0"/>
-              <a:buChar char="•"/>
-            </a:pPr>
-            <a:endParaRPr lang="en-US" dirty="0"/>
-          </a:p>
-          <a:p>
-            <a:pPr marL="285750" indent="-285750">
-              <a:buFont typeface="Arial" panose="020B0604020202020204" pitchFamily="34" charset="0"/>
-              <a:buChar char="•"/>
-            </a:pPr>
-            <a:r>
-              <a:rPr lang="en-US" dirty="0"/>
-              <a:t>Role of Big Data and Cloud Computing:</a:t>
-            </a:r>
-          </a:p>
-          <a:p>
-            <a:pPr marL="742950" lvl="1" indent="-285750">
-              <a:buFont typeface="Arial" panose="020B0604020202020204" pitchFamily="34" charset="0"/>
-              <a:buChar char="•"/>
-            </a:pPr>
-            <a:r>
-              <a:rPr lang="en-US" dirty="0"/>
-              <a:t>Enables analysis of vast amounts of drug and patient data.</a:t>
-            </a:r>
-          </a:p>
-          <a:p>
-            <a:pPr marL="742950" lvl="1" indent="-285750">
-              <a:buFont typeface="Arial" panose="020B0604020202020204" pitchFamily="34" charset="0"/>
-              <a:buChar char="•"/>
-            </a:pPr>
-            <a:r>
-              <a:rPr lang="en-US" dirty="0"/>
-              <a:t>Scalable, fast, and cost-efficient solutions</a:t>
-            </a:r>
-            <a:endParaRPr lang="en-IN" dirty="0"/>
-          </a:p>
-        </p:txBody>
-      </p:sp>
-      <p:pic>
-        <p:nvPicPr>
-          <p:cNvPr id="15" name="Picture 14" descr="A white rectangular object with a hexagon and black text&#10;&#10;Description automatically generated">
-            <a:extLst>
-              <a:ext uri="{FF2B5EF4-FFF2-40B4-BE49-F238E27FC236}">
-                <a16:creationId xmlns:a16="http://schemas.microsoft.com/office/drawing/2014/main" id="{F599D820-3C9F-03B3-9FF5-4AFEECF08533}"/>
-              </a:ext>
-            </a:extLst>
-          </p:cNvPr>
-          <p:cNvPicPr>
-            <a:picLocks noChangeAspect="1"/>
-          </p:cNvPicPr>
-          <p:nvPr/>
-        </p:nvPicPr>
-        <p:blipFill>
-          <a:blip r:embed="rId2"/>
-          <a:stretch>
-            <a:fillRect/>
-          </a:stretch>
-        </p:blipFill>
-        <p:spPr>
-          <a:xfrm>
-            <a:off x="5294376" y="1636776"/>
-            <a:ext cx="6720840" cy="3310128"/>
-          </a:xfrm>
-          <a:prstGeom prst="rect">
-            <a:avLst/>
-          </a:prstGeom>
-        </p:spPr>
-      </p:pic>
-    </p:spTree>
-    <p:extLst>
-      <p:ext uri="{BB962C8B-B14F-4D97-AF65-F5344CB8AC3E}">
-        <p14:creationId xmlns:p14="http://schemas.microsoft.com/office/powerpoint/2010/main" val="857891950"/>
-      </p:ext>
-    </p:extLst>
-  </p:cSld>
-  <p:clrMapOvr>
-    <a:masterClrMapping/>
-  </p:clrMapOvr>
-</p:sld>
-</file>
-
-<file path=ppt/slides/slide20.xml><?xml version="1.0" encoding="utf-8"?>
-<p:sld xmlns:a="http://schemas.openxmlformats.org/drawingml/2006/main" xmlns:r="http://schemas.openxmlformats.org/officeDocument/2006/relationships" xmlns:p="http://schemas.openxmlformats.org/presentationml/2006/main">
-  <p:cSld>
-    <p:spTree>
-      <p:nvGrpSpPr>
-        <p:cNvPr id="1" name="">
-          <a:extLst>
-            <a:ext uri="{FF2B5EF4-FFF2-40B4-BE49-F238E27FC236}">
-              <a16:creationId xmlns:a16="http://schemas.microsoft.com/office/drawing/2014/main" id="{E05FE5FE-9022-DF95-22E9-B85D176BC8CC}"/>
-            </a:ext>
-          </a:extLst>
-        </p:cNvPr>
-        <p:cNvGrpSpPr/>
-        <p:nvPr/>
-      </p:nvGrpSpPr>
-      <p:grpSpPr>
-        <a:xfrm>
-          <a:off x="0" y="0"/>
-          <a:ext cx="0" cy="0"/>
-          <a:chOff x="0" y="0"/>
-          <a:chExt cx="0" cy="0"/>
-        </a:xfrm>
-      </p:grpSpPr>
-      <p:pic>
-        <p:nvPicPr>
-          <p:cNvPr id="5" name="Picture 4">
-            <a:extLst>
-              <a:ext uri="{FF2B5EF4-FFF2-40B4-BE49-F238E27FC236}">
-                <a16:creationId xmlns:a16="http://schemas.microsoft.com/office/drawing/2014/main" id="{BEEF8C84-1219-6AA5-4FC1-63E187A408C4}"/>
-              </a:ext>
-            </a:extLst>
-          </p:cNvPr>
-          <p:cNvPicPr>
-            <a:picLocks noChangeAspect="1"/>
-          </p:cNvPicPr>
-          <p:nvPr/>
-        </p:nvPicPr>
-        <p:blipFill>
-          <a:blip r:embed="rId2">
-            <a:extLst>
-              <a:ext uri="{28A0092B-C50C-407E-A947-70E740481C1C}">
-                <a14:useLocalDpi xmlns:a14="http://schemas.microsoft.com/office/drawing/2010/main" val="0"/>
-              </a:ext>
-            </a:extLst>
-          </a:blip>
-          <a:stretch>
-            <a:fillRect/>
-          </a:stretch>
-        </p:blipFill>
-        <p:spPr>
-          <a:xfrm>
-            <a:off x="5449824" y="1690688"/>
-            <a:ext cx="6181344" cy="4582636"/>
-          </a:xfrm>
-          <a:prstGeom prst="rect">
-            <a:avLst/>
-          </a:prstGeom>
-        </p:spPr>
-      </p:pic>
-      <p:pic>
-        <p:nvPicPr>
-          <p:cNvPr id="4098" name="Picture 2" descr="Random Forests: Consolidating Decision Trees | Paperspace Blog">
-            <a:extLst>
-              <a:ext uri="{FF2B5EF4-FFF2-40B4-BE49-F238E27FC236}">
-                <a16:creationId xmlns:a16="http://schemas.microsoft.com/office/drawing/2014/main" id="{9A7AAC3F-B63E-26BE-D4B3-E10DC4434980}"/>
-              </a:ext>
-            </a:extLst>
-          </p:cNvPr>
-          <p:cNvPicPr>
-            <a:picLocks noChangeAspect="1" noChangeArrowheads="1"/>
-          </p:cNvPicPr>
-          <p:nvPr/>
-        </p:nvPicPr>
-        <p:blipFill>
-          <a:blip r:embed="rId3">
-            <a:extLst>
-              <a:ext uri="{28A0092B-C50C-407E-A947-70E740481C1C}">
-                <a14:useLocalDpi xmlns:a14="http://schemas.microsoft.com/office/drawing/2010/main" val="0"/>
-              </a:ext>
-            </a:extLst>
-          </a:blip>
-          <a:srcRect/>
-          <a:stretch>
-            <a:fillRect/>
-          </a:stretch>
-        </p:blipFill>
-        <p:spPr bwMode="auto">
-          <a:xfrm>
-            <a:off x="1050819" y="1690688"/>
-            <a:ext cx="3670406" cy="4514850"/>
-          </a:xfrm>
-          <a:prstGeom prst="rect">
-            <a:avLst/>
-          </a:prstGeom>
-          <a:noFill/>
-          <a:extLst>
-            <a:ext uri="{909E8E84-426E-40DD-AFC4-6F175D3DCCD1}">
-              <a14:hiddenFill xmlns:a14="http://schemas.microsoft.com/office/drawing/2010/main">
-                <a:solidFill>
-                  <a:srgbClr val="FFFFFF"/>
-                </a:solidFill>
-              </a14:hiddenFill>
-            </a:ext>
-          </a:extLst>
-        </p:spPr>
-      </p:pic>
-      <p:sp>
-        <p:nvSpPr>
-          <p:cNvPr id="9" name="Title 1">
-            <a:extLst>
-              <a:ext uri="{FF2B5EF4-FFF2-40B4-BE49-F238E27FC236}">
-                <a16:creationId xmlns:a16="http://schemas.microsoft.com/office/drawing/2014/main" id="{984431A1-2FEA-3FC6-4ADF-872186FFC0FC}"/>
-              </a:ext>
-            </a:extLst>
-          </p:cNvPr>
-          <p:cNvSpPr>
-            <a:spLocks noGrp="1"/>
-          </p:cNvSpPr>
-          <p:nvPr>
-            <p:ph type="title"/>
-          </p:nvPr>
-        </p:nvSpPr>
-        <p:spPr>
-          <a:xfrm>
-            <a:off x="374905" y="69038"/>
-            <a:ext cx="10515600" cy="1325563"/>
-          </a:xfrm>
-        </p:spPr>
-        <p:txBody>
-          <a:bodyPr/>
-          <a:lstStyle/>
-          <a:p>
-            <a:r>
-              <a:rPr lang="en-US" b="1" dirty="0"/>
-              <a:t>Develop Predictive Models</a:t>
-            </a:r>
-            <a:endParaRPr lang="en-IN" dirty="0"/>
-          </a:p>
-        </p:txBody>
-      </p:sp>
-      <p:sp>
-        <p:nvSpPr>
-          <p:cNvPr id="10" name="TextBox 9">
-            <a:extLst>
-              <a:ext uri="{FF2B5EF4-FFF2-40B4-BE49-F238E27FC236}">
-                <a16:creationId xmlns:a16="http://schemas.microsoft.com/office/drawing/2014/main" id="{853C8B01-49E0-76CF-1CAA-A46134E4ED53}"/>
-              </a:ext>
-            </a:extLst>
-          </p:cNvPr>
-          <p:cNvSpPr txBox="1"/>
-          <p:nvPr/>
-        </p:nvSpPr>
-        <p:spPr>
-          <a:xfrm>
-            <a:off x="322220" y="1394601"/>
-            <a:ext cx="1703030" cy="369332"/>
-          </a:xfrm>
-          <a:prstGeom prst="rect">
-            <a:avLst/>
-          </a:prstGeom>
-          <a:noFill/>
-        </p:spPr>
-        <p:txBody>
-          <a:bodyPr wrap="none" rtlCol="0">
-            <a:spAutoFit/>
-          </a:bodyPr>
-          <a:lstStyle/>
-          <a:p>
-            <a:r>
-              <a:rPr lang="en-US" dirty="0"/>
-              <a:t>Random Forest</a:t>
-            </a:r>
-          </a:p>
-        </p:txBody>
-      </p:sp>
-    </p:spTree>
-    <p:extLst>
-      <p:ext uri="{BB962C8B-B14F-4D97-AF65-F5344CB8AC3E}">
-        <p14:creationId xmlns:p14="http://schemas.microsoft.com/office/powerpoint/2010/main" val="3440233981"/>
       </p:ext>
     </p:extLst>
   </p:cSld>
@@ -13396,6 +13320,341 @@
 </file>
 
 <file path=ppt/slides/slide22.xml><?xml version="1.0" encoding="utf-8"?>
+<p:sld xmlns:a="http://schemas.openxmlformats.org/drawingml/2006/main" xmlns:r="http://schemas.openxmlformats.org/officeDocument/2006/relationships" xmlns:p="http://schemas.openxmlformats.org/presentationml/2006/main">
+  <p:cSld>
+    <p:spTree>
+      <p:nvGrpSpPr>
+        <p:cNvPr id="1" name=""/>
+        <p:cNvGrpSpPr/>
+        <p:nvPr/>
+      </p:nvGrpSpPr>
+      <p:grpSpPr>
+        <a:xfrm>
+          <a:off x="0" y="0"/>
+          <a:ext cx="0" cy="0"/>
+          <a:chOff x="0" y="0"/>
+          <a:chExt cx="0" cy="0"/>
+        </a:xfrm>
+      </p:grpSpPr>
+      <p:sp>
+        <p:nvSpPr>
+          <p:cNvPr id="2" name="Title 1">
+            <a:extLst>
+              <a:ext uri="{FF2B5EF4-FFF2-40B4-BE49-F238E27FC236}">
+                <a16:creationId xmlns:a16="http://schemas.microsoft.com/office/drawing/2014/main" id="{6391CD11-5426-5AF2-09DF-462D0298E429}"/>
+              </a:ext>
+            </a:extLst>
+          </p:cNvPr>
+          <p:cNvSpPr>
+            <a:spLocks noGrp="1"/>
+          </p:cNvSpPr>
+          <p:nvPr>
+            <p:ph type="title"/>
+          </p:nvPr>
+        </p:nvSpPr>
+        <p:spPr>
+          <a:xfrm>
+            <a:off x="374905" y="69038"/>
+            <a:ext cx="10515600" cy="1325563"/>
+          </a:xfrm>
+        </p:spPr>
+        <p:txBody>
+          <a:bodyPr/>
+          <a:lstStyle/>
+          <a:p>
+            <a:r>
+              <a:rPr lang="en-US" b="1" dirty="0"/>
+              <a:t>Develop Predictive Models</a:t>
+            </a:r>
+            <a:endParaRPr lang="en-IN" dirty="0"/>
+          </a:p>
+        </p:txBody>
+      </p:sp>
+      <p:pic>
+        <p:nvPicPr>
+          <p:cNvPr id="7" name="Picture 6">
+            <a:extLst>
+              <a:ext uri="{FF2B5EF4-FFF2-40B4-BE49-F238E27FC236}">
+                <a16:creationId xmlns:a16="http://schemas.microsoft.com/office/drawing/2014/main" id="{BFDA6B15-0E4D-159F-4631-4A86CEC13091}"/>
+              </a:ext>
+            </a:extLst>
+          </p:cNvPr>
+          <p:cNvPicPr>
+            <a:picLocks noChangeAspect="1"/>
+          </p:cNvPicPr>
+          <p:nvPr/>
+        </p:nvPicPr>
+        <p:blipFill>
+          <a:blip r:embed="rId2">
+            <a:extLst>
+              <a:ext uri="{28A0092B-C50C-407E-A947-70E740481C1C}">
+                <a14:useLocalDpi xmlns:a14="http://schemas.microsoft.com/office/drawing/2010/main" val="0"/>
+              </a:ext>
+            </a:extLst>
+          </a:blip>
+          <a:stretch>
+            <a:fillRect/>
+          </a:stretch>
+        </p:blipFill>
+        <p:spPr>
+          <a:xfrm>
+            <a:off x="5794630" y="1484598"/>
+            <a:ext cx="5953125" cy="5033391"/>
+          </a:xfrm>
+          <a:prstGeom prst="rect">
+            <a:avLst/>
+          </a:prstGeom>
+        </p:spPr>
+      </p:pic>
+      <p:pic>
+        <p:nvPicPr>
+          <p:cNvPr id="3074" name="Picture 2" descr="Naive Bayes Algorithm. “Probability theory is nothing but… | by KDAG IIT  KGP | Medium">
+            <a:extLst>
+              <a:ext uri="{FF2B5EF4-FFF2-40B4-BE49-F238E27FC236}">
+                <a16:creationId xmlns:a16="http://schemas.microsoft.com/office/drawing/2014/main" id="{CAD7EB0F-B5C7-9D26-7931-B4519512522B}"/>
+              </a:ext>
+            </a:extLst>
+          </p:cNvPr>
+          <p:cNvPicPr>
+            <a:picLocks noChangeAspect="1" noChangeArrowheads="1"/>
+          </p:cNvPicPr>
+          <p:nvPr/>
+        </p:nvPicPr>
+        <p:blipFill>
+          <a:blip r:embed="rId3">
+            <a:extLst>
+              <a:ext uri="{28A0092B-C50C-407E-A947-70E740481C1C}">
+                <a14:useLocalDpi xmlns:a14="http://schemas.microsoft.com/office/drawing/2010/main" val="0"/>
+              </a:ext>
+            </a:extLst>
+          </a:blip>
+          <a:srcRect/>
+          <a:stretch>
+            <a:fillRect/>
+          </a:stretch>
+        </p:blipFill>
+        <p:spPr bwMode="auto">
+          <a:xfrm>
+            <a:off x="180912" y="1484598"/>
+            <a:ext cx="5613718" cy="5008277"/>
+          </a:xfrm>
+          <a:prstGeom prst="rect">
+            <a:avLst/>
+          </a:prstGeom>
+          <a:noFill/>
+          <a:extLst>
+            <a:ext uri="{909E8E84-426E-40DD-AFC4-6F175D3DCCD1}">
+              <a14:hiddenFill xmlns:a14="http://schemas.microsoft.com/office/drawing/2010/main">
+                <a:solidFill>
+                  <a:srgbClr val="FFFFFF"/>
+                </a:solidFill>
+              </a14:hiddenFill>
+            </a:ext>
+          </a:extLst>
+        </p:spPr>
+      </p:pic>
+    </p:spTree>
+    <p:extLst>
+      <p:ext uri="{BB962C8B-B14F-4D97-AF65-F5344CB8AC3E}">
+        <p14:creationId xmlns:p14="http://schemas.microsoft.com/office/powerpoint/2010/main" val="3550976864"/>
+      </p:ext>
+    </p:extLst>
+  </p:cSld>
+  <p:clrMapOvr>
+    <a:masterClrMapping/>
+  </p:clrMapOvr>
+</p:sld>
+</file>
+
+<file path=ppt/slides/slide23.xml><?xml version="1.0" encoding="utf-8"?>
+<p:sld xmlns:a="http://schemas.openxmlformats.org/drawingml/2006/main" xmlns:r="http://schemas.openxmlformats.org/officeDocument/2006/relationships" xmlns:p="http://schemas.openxmlformats.org/presentationml/2006/main">
+  <p:cSld>
+    <p:spTree>
+      <p:nvGrpSpPr>
+        <p:cNvPr id="1" name="">
+          <a:extLst>
+            <a:ext uri="{FF2B5EF4-FFF2-40B4-BE49-F238E27FC236}">
+              <a16:creationId xmlns:a16="http://schemas.microsoft.com/office/drawing/2014/main" id="{E05FE5FE-9022-DF95-22E9-B85D176BC8CC}"/>
+            </a:ext>
+          </a:extLst>
+        </p:cNvPr>
+        <p:cNvGrpSpPr/>
+        <p:nvPr/>
+      </p:nvGrpSpPr>
+      <p:grpSpPr>
+        <a:xfrm>
+          <a:off x="0" y="0"/>
+          <a:ext cx="0" cy="0"/>
+          <a:chOff x="0" y="0"/>
+          <a:chExt cx="0" cy="0"/>
+        </a:xfrm>
+      </p:grpSpPr>
+      <p:pic>
+        <p:nvPicPr>
+          <p:cNvPr id="5" name="Picture 4">
+            <a:extLst>
+              <a:ext uri="{FF2B5EF4-FFF2-40B4-BE49-F238E27FC236}">
+                <a16:creationId xmlns:a16="http://schemas.microsoft.com/office/drawing/2014/main" id="{BEEF8C84-1219-6AA5-4FC1-63E187A408C4}"/>
+              </a:ext>
+            </a:extLst>
+          </p:cNvPr>
+          <p:cNvPicPr>
+            <a:picLocks noChangeAspect="1"/>
+          </p:cNvPicPr>
+          <p:nvPr/>
+        </p:nvPicPr>
+        <p:blipFill>
+          <a:blip r:embed="rId2">
+            <a:extLst>
+              <a:ext uri="{28A0092B-C50C-407E-A947-70E740481C1C}">
+                <a14:useLocalDpi xmlns:a14="http://schemas.microsoft.com/office/drawing/2010/main" val="0"/>
+              </a:ext>
+            </a:extLst>
+          </a:blip>
+          <a:stretch>
+            <a:fillRect/>
+          </a:stretch>
+        </p:blipFill>
+        <p:spPr>
+          <a:xfrm>
+            <a:off x="5449824" y="1690688"/>
+            <a:ext cx="6181344" cy="4582636"/>
+          </a:xfrm>
+          <a:prstGeom prst="rect">
+            <a:avLst/>
+          </a:prstGeom>
+        </p:spPr>
+      </p:pic>
+      <p:pic>
+        <p:nvPicPr>
+          <p:cNvPr id="4098" name="Picture 2" descr="Random Forests: Consolidating Decision Trees | Paperspace Blog">
+            <a:extLst>
+              <a:ext uri="{FF2B5EF4-FFF2-40B4-BE49-F238E27FC236}">
+                <a16:creationId xmlns:a16="http://schemas.microsoft.com/office/drawing/2014/main" id="{9A7AAC3F-B63E-26BE-D4B3-E10DC4434980}"/>
+              </a:ext>
+            </a:extLst>
+          </p:cNvPr>
+          <p:cNvPicPr>
+            <a:picLocks noChangeAspect="1" noChangeArrowheads="1"/>
+          </p:cNvPicPr>
+          <p:nvPr/>
+        </p:nvPicPr>
+        <p:blipFill>
+          <a:blip r:embed="rId3">
+            <a:extLst>
+              <a:ext uri="{28A0092B-C50C-407E-A947-70E740481C1C}">
+                <a14:useLocalDpi xmlns:a14="http://schemas.microsoft.com/office/drawing/2010/main" val="0"/>
+              </a:ext>
+            </a:extLst>
+          </a:blip>
+          <a:srcRect/>
+          <a:stretch>
+            <a:fillRect/>
+          </a:stretch>
+        </p:blipFill>
+        <p:spPr bwMode="auto">
+          <a:xfrm>
+            <a:off x="1050819" y="1690688"/>
+            <a:ext cx="3670406" cy="4514850"/>
+          </a:xfrm>
+          <a:prstGeom prst="rect">
+            <a:avLst/>
+          </a:prstGeom>
+          <a:noFill/>
+          <a:extLst>
+            <a:ext uri="{909E8E84-426E-40DD-AFC4-6F175D3DCCD1}">
+              <a14:hiddenFill xmlns:a14="http://schemas.microsoft.com/office/drawing/2010/main">
+                <a:solidFill>
+                  <a:srgbClr val="FFFFFF"/>
+                </a:solidFill>
+              </a14:hiddenFill>
+            </a:ext>
+          </a:extLst>
+        </p:spPr>
+      </p:pic>
+      <p:sp>
+        <p:nvSpPr>
+          <p:cNvPr id="9" name="Title 1">
+            <a:extLst>
+              <a:ext uri="{FF2B5EF4-FFF2-40B4-BE49-F238E27FC236}">
+                <a16:creationId xmlns:a16="http://schemas.microsoft.com/office/drawing/2014/main" id="{984431A1-2FEA-3FC6-4ADF-872186FFC0FC}"/>
+              </a:ext>
+            </a:extLst>
+          </p:cNvPr>
+          <p:cNvSpPr>
+            <a:spLocks noGrp="1"/>
+          </p:cNvSpPr>
+          <p:nvPr>
+            <p:ph type="title"/>
+          </p:nvPr>
+        </p:nvSpPr>
+        <p:spPr>
+          <a:xfrm>
+            <a:off x="374905" y="69038"/>
+            <a:ext cx="10515600" cy="1325563"/>
+          </a:xfrm>
+        </p:spPr>
+        <p:txBody>
+          <a:bodyPr/>
+          <a:lstStyle/>
+          <a:p>
+            <a:r>
+              <a:rPr lang="en-US" b="1" dirty="0"/>
+              <a:t>Develop Predictive Models</a:t>
+            </a:r>
+            <a:endParaRPr lang="en-IN" dirty="0"/>
+          </a:p>
+        </p:txBody>
+      </p:sp>
+      <p:sp>
+        <p:nvSpPr>
+          <p:cNvPr id="10" name="TextBox 9">
+            <a:extLst>
+              <a:ext uri="{FF2B5EF4-FFF2-40B4-BE49-F238E27FC236}">
+                <a16:creationId xmlns:a16="http://schemas.microsoft.com/office/drawing/2014/main" id="{853C8B01-49E0-76CF-1CAA-A46134E4ED53}"/>
+              </a:ext>
+            </a:extLst>
+          </p:cNvPr>
+          <p:cNvSpPr txBox="1"/>
+          <p:nvPr/>
+        </p:nvSpPr>
+        <p:spPr>
+          <a:xfrm>
+            <a:off x="322220" y="1394601"/>
+            <a:ext cx="1703030" cy="369332"/>
+          </a:xfrm>
+          <a:prstGeom prst="rect">
+            <a:avLst/>
+          </a:prstGeom>
+          <a:noFill/>
+        </p:spPr>
+        <p:txBody>
+          <a:bodyPr wrap="none" rtlCol="0">
+            <a:spAutoFit/>
+          </a:bodyPr>
+          <a:lstStyle/>
+          <a:p>
+            <a:r>
+              <a:rPr lang="en-US" dirty="0"/>
+              <a:t>Random Forest</a:t>
+            </a:r>
+          </a:p>
+        </p:txBody>
+      </p:sp>
+    </p:spTree>
+    <p:extLst>
+      <p:ext uri="{BB962C8B-B14F-4D97-AF65-F5344CB8AC3E}">
+        <p14:creationId xmlns:p14="http://schemas.microsoft.com/office/powerpoint/2010/main" val="3440233981"/>
+      </p:ext>
+    </p:extLst>
+  </p:cSld>
+  <p:clrMapOvr>
+    <a:masterClrMapping/>
+  </p:clrMapOvr>
+</p:sld>
+</file>
+
+<file path=ppt/slides/slide24.xml><?xml version="1.0" encoding="utf-8"?>
 <p:sld xmlns:a="http://schemas.openxmlformats.org/drawingml/2006/main" xmlns:r="http://schemas.openxmlformats.org/officeDocument/2006/relationships" xmlns:p="http://schemas.openxmlformats.org/presentationml/2006/main">
   <p:cSld>
     <p:bg>
@@ -14068,623 +14327,7 @@
 </p:sld>
 </file>
 
-<file path=ppt/slides/slide23.xml><?xml version="1.0" encoding="utf-8"?>
-<p:sld xmlns:a="http://schemas.openxmlformats.org/drawingml/2006/main" xmlns:r="http://schemas.openxmlformats.org/officeDocument/2006/relationships" xmlns:p="http://schemas.openxmlformats.org/presentationml/2006/main">
-  <p:cSld>
-    <p:bg>
-      <p:bgPr>
-        <a:solidFill>
-          <a:schemeClr val="bg1"/>
-        </a:solidFill>
-        <a:effectLst/>
-      </p:bgPr>
-    </p:bg>
-    <p:spTree>
-      <p:nvGrpSpPr>
-        <p:cNvPr id="1" name=""/>
-        <p:cNvGrpSpPr/>
-        <p:nvPr/>
-      </p:nvGrpSpPr>
-      <p:grpSpPr>
-        <a:xfrm>
-          <a:off x="0" y="0"/>
-          <a:ext cx="0" cy="0"/>
-          <a:chOff x="0" y="0"/>
-          <a:chExt cx="0" cy="0"/>
-        </a:xfrm>
-      </p:grpSpPr>
-      <p:sp useBgFill="1">
-        <p:nvSpPr>
-          <p:cNvPr id="16" name="Rectangle 15">
-            <a:extLst>
-              <a:ext uri="{FF2B5EF4-FFF2-40B4-BE49-F238E27FC236}">
-                <a16:creationId xmlns:a16="http://schemas.microsoft.com/office/drawing/2014/main" id="{F13C74B1-5B17-4795-BED0-7140497B445A}"/>
-              </a:ext>
-              <a:ext uri="{C183D7F6-B498-43B3-948B-1728B52AA6E4}">
-                <adec:decorative xmlns:adec="http://schemas.microsoft.com/office/drawing/2017/decorative" val="1"/>
-              </a:ext>
-            </a:extLst>
-          </p:cNvPr>
-          <p:cNvSpPr>
-            <a:spLocks noGrp="1" noRot="1" noChangeAspect="1" noMove="1" noResize="1" noEditPoints="1" noAdjustHandles="1" noChangeArrowheads="1" noChangeShapeType="1" noTextEdit="1"/>
-          </p:cNvSpPr>
-          <p:nvPr>
-            <p:extLst>
-              <p:ext uri="{386F3935-93C4-4BCD-93E2-E3B085C9AB24}">
-                <p16:designElem xmlns:p16="http://schemas.microsoft.com/office/powerpoint/2015/main" val="1"/>
-              </p:ext>
-            </p:extLst>
-          </p:nvPr>
-        </p:nvSpPr>
-        <p:spPr>
-          <a:xfrm>
-            <a:off x="0" y="0"/>
-            <a:ext cx="12188952" cy="6858000"/>
-          </a:xfrm>
-          <a:prstGeom prst="rect">
-            <a:avLst/>
-          </a:prstGeom>
-          <a:ln>
-            <a:noFill/>
-          </a:ln>
-        </p:spPr>
-        <p:style>
-          <a:lnRef idx="2">
-            <a:schemeClr val="accent1">
-              <a:shade val="50000"/>
-            </a:schemeClr>
-          </a:lnRef>
-          <a:fillRef idx="1">
-            <a:schemeClr val="accent1"/>
-          </a:fillRef>
-          <a:effectRef idx="0">
-            <a:schemeClr val="accent1"/>
-          </a:effectRef>
-          <a:fontRef idx="minor">
-            <a:schemeClr val="lt1"/>
-          </a:fontRef>
-        </p:style>
-        <p:txBody>
-          <a:bodyPr rtlCol="0" anchor="ctr"/>
-          <a:lstStyle/>
-          <a:p>
-            <a:pPr algn="ctr"/>
-            <a:endParaRPr lang="en-US"/>
-          </a:p>
-        </p:txBody>
-      </p:sp>
-      <p:sp>
-        <p:nvSpPr>
-          <p:cNvPr id="2" name="Title 1">
-            <a:extLst>
-              <a:ext uri="{FF2B5EF4-FFF2-40B4-BE49-F238E27FC236}">
-                <a16:creationId xmlns:a16="http://schemas.microsoft.com/office/drawing/2014/main" id="{F4AAA18A-E81D-1E2B-4F48-BC45595F801E}"/>
-              </a:ext>
-            </a:extLst>
-          </p:cNvPr>
-          <p:cNvSpPr>
-            <a:spLocks noGrp="1"/>
-          </p:cNvSpPr>
-          <p:nvPr>
-            <p:ph type="title"/>
-          </p:nvPr>
-        </p:nvSpPr>
-        <p:spPr>
-          <a:xfrm>
-            <a:off x="640080" y="325369"/>
-            <a:ext cx="4368602" cy="1956841"/>
-          </a:xfrm>
-        </p:spPr>
-        <p:txBody>
-          <a:bodyPr vert="horz" lIns="91440" tIns="45720" rIns="91440" bIns="45720" rtlCol="0" anchor="b">
-            <a:normAutofit/>
-          </a:bodyPr>
-          <a:lstStyle/>
-          <a:p>
-            <a:r>
-              <a:rPr lang="en-US" sz="4200"/>
-              <a:t>Expected Outcomes and Insights</a:t>
-            </a:r>
-          </a:p>
-        </p:txBody>
-      </p:sp>
-      <p:sp>
-        <p:nvSpPr>
-          <p:cNvPr id="18" name="sketchy line">
-            <a:extLst>
-              <a:ext uri="{FF2B5EF4-FFF2-40B4-BE49-F238E27FC236}">
-                <a16:creationId xmlns:a16="http://schemas.microsoft.com/office/drawing/2014/main" id="{D4974D33-8DC5-464E-8C6D-BE58F0669C17}"/>
-              </a:ext>
-              <a:ext uri="{C183D7F6-B498-43B3-948B-1728B52AA6E4}">
-                <adec:decorative xmlns:adec="http://schemas.microsoft.com/office/drawing/2017/decorative" val="1"/>
-              </a:ext>
-            </a:extLst>
-          </p:cNvPr>
-          <p:cNvSpPr>
-            <a:spLocks noGrp="1" noRot="1" noChangeAspect="1" noMove="1" noResize="1" noEditPoints="1" noAdjustHandles="1" noChangeArrowheads="1" noChangeShapeType="1" noTextEdit="1"/>
-          </p:cNvSpPr>
-          <p:nvPr>
-            <p:extLst>
-              <p:ext uri="{386F3935-93C4-4BCD-93E2-E3B085C9AB24}">
-                <p16:designElem xmlns:p16="http://schemas.microsoft.com/office/powerpoint/2015/main" val="1"/>
-              </p:ext>
-            </p:extLst>
-          </p:nvPr>
-        </p:nvSpPr>
-        <p:spPr>
-          <a:xfrm>
-            <a:off x="640080" y="2586994"/>
-            <a:ext cx="3474720" cy="18288"/>
-          </a:xfrm>
-          <a:custGeom>
-            <a:avLst/>
-            <a:gdLst>
-              <a:gd name="connsiteX0" fmla="*/ 0 w 3474720"/>
-              <a:gd name="connsiteY0" fmla="*/ 0 h 18288"/>
-              <a:gd name="connsiteX1" fmla="*/ 694944 w 3474720"/>
-              <a:gd name="connsiteY1" fmla="*/ 0 h 18288"/>
-              <a:gd name="connsiteX2" fmla="*/ 1355141 w 3474720"/>
-              <a:gd name="connsiteY2" fmla="*/ 0 h 18288"/>
-              <a:gd name="connsiteX3" fmla="*/ 2015338 w 3474720"/>
-              <a:gd name="connsiteY3" fmla="*/ 0 h 18288"/>
-              <a:gd name="connsiteX4" fmla="*/ 2779776 w 3474720"/>
-              <a:gd name="connsiteY4" fmla="*/ 0 h 18288"/>
-              <a:gd name="connsiteX5" fmla="*/ 3474720 w 3474720"/>
-              <a:gd name="connsiteY5" fmla="*/ 0 h 18288"/>
-              <a:gd name="connsiteX6" fmla="*/ 3474720 w 3474720"/>
-              <a:gd name="connsiteY6" fmla="*/ 18288 h 18288"/>
-              <a:gd name="connsiteX7" fmla="*/ 2779776 w 3474720"/>
-              <a:gd name="connsiteY7" fmla="*/ 18288 h 18288"/>
-              <a:gd name="connsiteX8" fmla="*/ 2189074 w 3474720"/>
-              <a:gd name="connsiteY8" fmla="*/ 18288 h 18288"/>
-              <a:gd name="connsiteX9" fmla="*/ 1528877 w 3474720"/>
-              <a:gd name="connsiteY9" fmla="*/ 18288 h 18288"/>
-              <a:gd name="connsiteX10" fmla="*/ 868680 w 3474720"/>
-              <a:gd name="connsiteY10" fmla="*/ 18288 h 18288"/>
-              <a:gd name="connsiteX11" fmla="*/ 0 w 3474720"/>
-              <a:gd name="connsiteY11" fmla="*/ 18288 h 18288"/>
-              <a:gd name="connsiteX12" fmla="*/ 0 w 3474720"/>
-              <a:gd name="connsiteY12" fmla="*/ 0 h 18288"/>
-            </a:gdLst>
-            <a:ahLst/>
-            <a:cxnLst>
-              <a:cxn ang="0">
-                <a:pos x="connsiteX0" y="connsiteY0"/>
-              </a:cxn>
-              <a:cxn ang="0">
-                <a:pos x="connsiteX1" y="connsiteY1"/>
-              </a:cxn>
-              <a:cxn ang="0">
-                <a:pos x="connsiteX2" y="connsiteY2"/>
-              </a:cxn>
-              <a:cxn ang="0">
-                <a:pos x="connsiteX3" y="connsiteY3"/>
-              </a:cxn>
-              <a:cxn ang="0">
-                <a:pos x="connsiteX4" y="connsiteY4"/>
-              </a:cxn>
-              <a:cxn ang="0">
-                <a:pos x="connsiteX5" y="connsiteY5"/>
-              </a:cxn>
-              <a:cxn ang="0">
-                <a:pos x="connsiteX6" y="connsiteY6"/>
-              </a:cxn>
-              <a:cxn ang="0">
-                <a:pos x="connsiteX7" y="connsiteY7"/>
-              </a:cxn>
-              <a:cxn ang="0">
-                <a:pos x="connsiteX8" y="connsiteY8"/>
-              </a:cxn>
-              <a:cxn ang="0">
-                <a:pos x="connsiteX9" y="connsiteY9"/>
-              </a:cxn>
-              <a:cxn ang="0">
-                <a:pos x="connsiteX10" y="connsiteY10"/>
-              </a:cxn>
-              <a:cxn ang="0">
-                <a:pos x="connsiteX11" y="connsiteY11"/>
-              </a:cxn>
-              <a:cxn ang="0">
-                <a:pos x="connsiteX12" y="connsiteY12"/>
-              </a:cxn>
-            </a:cxnLst>
-            <a:rect l="l" t="t" r="r" b="b"/>
-            <a:pathLst>
-              <a:path w="3474720" h="18288" fill="none" extrusionOk="0">
-                <a:moveTo>
-                  <a:pt x="0" y="0"/>
-                </a:moveTo>
-                <a:cubicBezTo>
-                  <a:pt x="224454" y="-14544"/>
-                  <a:pt x="495407" y="26540"/>
-                  <a:pt x="694944" y="0"/>
-                </a:cubicBezTo>
-                <a:cubicBezTo>
-                  <a:pt x="894481" y="-26540"/>
-                  <a:pt x="1130063" y="24713"/>
-                  <a:pt x="1355141" y="0"/>
-                </a:cubicBezTo>
-                <a:cubicBezTo>
-                  <a:pt x="1580219" y="-24713"/>
-                  <a:pt x="1820099" y="26695"/>
-                  <a:pt x="2015338" y="0"/>
-                </a:cubicBezTo>
-                <a:cubicBezTo>
-                  <a:pt x="2210577" y="-26695"/>
-                  <a:pt x="2402045" y="165"/>
-                  <a:pt x="2779776" y="0"/>
-                </a:cubicBezTo>
-                <a:cubicBezTo>
-                  <a:pt x="3157507" y="-165"/>
-                  <a:pt x="3286859" y="-15571"/>
-                  <a:pt x="3474720" y="0"/>
-                </a:cubicBezTo>
-                <a:cubicBezTo>
-                  <a:pt x="3474286" y="7551"/>
-                  <a:pt x="3474253" y="9822"/>
-                  <a:pt x="3474720" y="18288"/>
-                </a:cubicBezTo>
-                <a:cubicBezTo>
-                  <a:pt x="3233904" y="29845"/>
-                  <a:pt x="2945134" y="-5256"/>
-                  <a:pt x="2779776" y="18288"/>
-                </a:cubicBezTo>
-                <a:cubicBezTo>
-                  <a:pt x="2614418" y="41832"/>
-                  <a:pt x="2339768" y="22709"/>
-                  <a:pt x="2189074" y="18288"/>
-                </a:cubicBezTo>
-                <a:cubicBezTo>
-                  <a:pt x="2038380" y="13867"/>
-                  <a:pt x="1817434" y="-4947"/>
-                  <a:pt x="1528877" y="18288"/>
-                </a:cubicBezTo>
-                <a:cubicBezTo>
-                  <a:pt x="1240320" y="41523"/>
-                  <a:pt x="1042447" y="37198"/>
-                  <a:pt x="868680" y="18288"/>
-                </a:cubicBezTo>
-                <a:cubicBezTo>
-                  <a:pt x="694913" y="-622"/>
-                  <a:pt x="233232" y="44909"/>
-                  <a:pt x="0" y="18288"/>
-                </a:cubicBezTo>
-                <a:cubicBezTo>
-                  <a:pt x="60" y="11696"/>
-                  <a:pt x="66" y="3758"/>
-                  <a:pt x="0" y="0"/>
-                </a:cubicBezTo>
-                <a:close/>
-              </a:path>
-              <a:path w="3474720" h="18288" stroke="0" extrusionOk="0">
-                <a:moveTo>
-                  <a:pt x="0" y="0"/>
-                </a:moveTo>
-                <a:cubicBezTo>
-                  <a:pt x="202328" y="-14716"/>
-                  <a:pt x="332722" y="-11499"/>
-                  <a:pt x="625450" y="0"/>
-                </a:cubicBezTo>
-                <a:cubicBezTo>
-                  <a:pt x="918178" y="11499"/>
-                  <a:pt x="1096688" y="5123"/>
-                  <a:pt x="1389888" y="0"/>
-                </a:cubicBezTo>
-                <a:cubicBezTo>
-                  <a:pt x="1683088" y="-5123"/>
-                  <a:pt x="1835981" y="-14038"/>
-                  <a:pt x="1980590" y="0"/>
-                </a:cubicBezTo>
-                <a:cubicBezTo>
-                  <a:pt x="2125199" y="14038"/>
-                  <a:pt x="2396099" y="-7203"/>
-                  <a:pt x="2571293" y="0"/>
-                </a:cubicBezTo>
-                <a:cubicBezTo>
-                  <a:pt x="2746487" y="7203"/>
-                  <a:pt x="3041609" y="-12036"/>
-                  <a:pt x="3474720" y="0"/>
-                </a:cubicBezTo>
-                <a:cubicBezTo>
-                  <a:pt x="3474638" y="4406"/>
-                  <a:pt x="3474631" y="9982"/>
-                  <a:pt x="3474720" y="18288"/>
-                </a:cubicBezTo>
-                <a:cubicBezTo>
-                  <a:pt x="3324873" y="21876"/>
-                  <a:pt x="3136771" y="12587"/>
-                  <a:pt x="2814523" y="18288"/>
-                </a:cubicBezTo>
-                <a:cubicBezTo>
-                  <a:pt x="2492275" y="23989"/>
-                  <a:pt x="2294402" y="47111"/>
-                  <a:pt x="2154326" y="18288"/>
-                </a:cubicBezTo>
-                <a:cubicBezTo>
-                  <a:pt x="2014250" y="-10535"/>
-                  <a:pt x="1820317" y="33903"/>
-                  <a:pt x="1494130" y="18288"/>
-                </a:cubicBezTo>
-                <a:cubicBezTo>
-                  <a:pt x="1167943" y="2673"/>
-                  <a:pt x="948432" y="14868"/>
-                  <a:pt x="729691" y="18288"/>
-                </a:cubicBezTo>
-                <a:cubicBezTo>
-                  <a:pt x="510950" y="21708"/>
-                  <a:pt x="264032" y="24354"/>
-                  <a:pt x="0" y="18288"/>
-                </a:cubicBezTo>
-                <a:cubicBezTo>
-                  <a:pt x="189" y="14288"/>
-                  <a:pt x="-703" y="3747"/>
-                  <a:pt x="0" y="0"/>
-                </a:cubicBezTo>
-                <a:close/>
-              </a:path>
-            </a:pathLst>
-          </a:custGeom>
-          <a:solidFill>
-            <a:schemeClr val="accent2"/>
-          </a:solidFill>
-          <a:ln w="44450" cap="rnd">
-            <a:solidFill>
-              <a:schemeClr val="accent2"/>
-            </a:solidFill>
-            <a:round/>
-            <a:extLst>
-              <a:ext uri="{C807C97D-BFC1-408E-A445-0C87EB9F89A2}">
-                <ask:lineSketchStyleProps xmlns:ask="http://schemas.microsoft.com/office/drawing/2018/sketchyshapes" sd="2863741219">
-                  <a:prstGeom prst="rect">
-                    <a:avLst/>
-                  </a:prstGeom>
-                  <ask:type>
-                    <ask:lineSketchFreehand/>
-                  </ask:type>
-                </ask:lineSketchStyleProps>
-              </a:ext>
-            </a:extLst>
-          </a:ln>
-        </p:spPr>
-        <p:style>
-          <a:lnRef idx="2">
-            <a:schemeClr val="accent1">
-              <a:shade val="50000"/>
-            </a:schemeClr>
-          </a:lnRef>
-          <a:fillRef idx="1">
-            <a:schemeClr val="accent1"/>
-          </a:fillRef>
-          <a:effectRef idx="0">
-            <a:schemeClr val="accent1"/>
-          </a:effectRef>
-          <a:fontRef idx="minor">
-            <a:schemeClr val="lt1"/>
-          </a:fontRef>
-        </p:style>
-        <p:txBody>
-          <a:bodyPr rtlCol="0" anchor="ctr"/>
-          <a:lstStyle/>
-          <a:p>
-            <a:pPr algn="ctr"/>
-            <a:endParaRPr lang="en-US"/>
-          </a:p>
-        </p:txBody>
-      </p:sp>
-      <p:sp>
-        <p:nvSpPr>
-          <p:cNvPr id="3" name="Text Placeholder 2">
-            <a:extLst>
-              <a:ext uri="{FF2B5EF4-FFF2-40B4-BE49-F238E27FC236}">
-                <a16:creationId xmlns:a16="http://schemas.microsoft.com/office/drawing/2014/main" id="{5CC5A884-6E8F-1D78-6546-EECF57F7FD7E}"/>
-              </a:ext>
-            </a:extLst>
-          </p:cNvPr>
-          <p:cNvSpPr>
-            <a:spLocks noGrp="1"/>
-          </p:cNvSpPr>
-          <p:nvPr>
-            <p:ph type="body" idx="1"/>
-          </p:nvPr>
-        </p:nvSpPr>
-        <p:spPr>
-          <a:xfrm>
-            <a:off x="640080" y="2872899"/>
-            <a:ext cx="4243589" cy="3320668"/>
-          </a:xfrm>
-        </p:spPr>
-        <p:txBody>
-          <a:bodyPr vert="horz" lIns="91440" tIns="45720" rIns="91440" bIns="45720" rtlCol="0">
-            <a:normAutofit/>
-          </a:bodyPr>
-          <a:lstStyle/>
-          <a:p>
-            <a:r>
-              <a:rPr lang="en-US" sz="1700"/>
-              <a:t>1. Adverse Reaction Profiles - Summary of common adverse effects per drug.</a:t>
-            </a:r>
-          </a:p>
-          <a:p>
-            <a:r>
-              <a:rPr lang="en-US" sz="1700"/>
-              <a:t>2. Demographic-Based Insights - Patterns in reactions based on age and gender.</a:t>
-            </a:r>
-          </a:p>
-          <a:p>
-            <a:r>
-              <a:rPr lang="en-US" sz="1700"/>
-              <a:t>3. Risk Identification - List of high-risk drugs and doses.</a:t>
-            </a:r>
-          </a:p>
-          <a:p>
-            <a:r>
-              <a:rPr lang="en-US" sz="1700"/>
-              <a:t>4. Geographic Analysis - ADR trends by region.</a:t>
-            </a:r>
-          </a:p>
-          <a:p>
-            <a:r>
-              <a:rPr lang="en-US" sz="1700"/>
-              <a:t>5. Recommendations - Best practices for healthcare providers.</a:t>
-            </a:r>
-          </a:p>
-        </p:txBody>
-      </p:sp>
-      <p:pic>
-        <p:nvPicPr>
-          <p:cNvPr id="5" name="Picture 4" descr="Pharmaceutical research lab">
-            <a:extLst>
-              <a:ext uri="{FF2B5EF4-FFF2-40B4-BE49-F238E27FC236}">
-                <a16:creationId xmlns:a16="http://schemas.microsoft.com/office/drawing/2014/main" id="{30299E65-1387-A34B-E417-70AE40674121}"/>
-              </a:ext>
-            </a:extLst>
-          </p:cNvPr>
-          <p:cNvPicPr>
-            <a:picLocks noChangeAspect="1"/>
-          </p:cNvPicPr>
-          <p:nvPr/>
-        </p:nvPicPr>
-        <p:blipFill>
-          <a:blip r:embed="rId2"/>
-          <a:srcRect l="17549" r="7224"/>
-          <a:stretch/>
-        </p:blipFill>
-        <p:spPr>
-          <a:xfrm>
-            <a:off x="5311702" y="10"/>
-            <a:ext cx="6878775" cy="6857990"/>
-          </a:xfrm>
-          <a:custGeom>
-            <a:avLst/>
-            <a:gdLst/>
-            <a:ahLst/>
-            <a:cxnLst/>
-            <a:rect l="l" t="t" r="r" b="b"/>
-            <a:pathLst>
-              <a:path w="6878775" h="6858000">
-                <a:moveTo>
-                  <a:pt x="1102973" y="0"/>
-                </a:moveTo>
-                <a:lnTo>
-                  <a:pt x="1160688" y="0"/>
-                </a:lnTo>
-                <a:lnTo>
-                  <a:pt x="983189" y="331786"/>
-                </a:lnTo>
-                <a:cubicBezTo>
-                  <a:pt x="914866" y="469145"/>
-                  <a:pt x="850355" y="608712"/>
-                  <a:pt x="789261" y="750263"/>
-                </a:cubicBezTo>
-                <a:cubicBezTo>
-                  <a:pt x="774307" y="784928"/>
-                  <a:pt x="759992" y="819849"/>
-                  <a:pt x="745295" y="854514"/>
-                </a:cubicBezTo>
-                <a:cubicBezTo>
-                  <a:pt x="756682" y="845393"/>
-                  <a:pt x="765489" y="833492"/>
-                  <a:pt x="770857" y="819975"/>
-                </a:cubicBezTo>
-                <a:cubicBezTo>
-                  <a:pt x="879943" y="589569"/>
-                  <a:pt x="999605" y="365513"/>
-                  <a:pt x="1131329" y="148742"/>
-                </a:cubicBezTo>
-                <a:lnTo>
-                  <a:pt x="1227589" y="0"/>
-                </a:lnTo>
-                <a:lnTo>
-                  <a:pt x="6878775" y="0"/>
-                </a:lnTo>
-                <a:lnTo>
-                  <a:pt x="6878775" y="6858000"/>
-                </a:lnTo>
-                <a:lnTo>
-                  <a:pt x="713521" y="6858000"/>
-                </a:lnTo>
-                <a:lnTo>
-                  <a:pt x="625642" y="6670527"/>
-                </a:lnTo>
-                <a:cubicBezTo>
-                  <a:pt x="507232" y="6398531"/>
-                  <a:pt x="403083" y="6118381"/>
-                  <a:pt x="312785" y="5830359"/>
-                </a:cubicBezTo>
-                <a:cubicBezTo>
-                  <a:pt x="278149" y="5719759"/>
-                  <a:pt x="248879" y="5607635"/>
-                  <a:pt x="212198" y="5480401"/>
-                </a:cubicBezTo>
-                <a:cubicBezTo>
-                  <a:pt x="212208" y="5491601"/>
-                  <a:pt x="212803" y="5502788"/>
-                  <a:pt x="213988" y="5513923"/>
-                </a:cubicBezTo>
-                <a:cubicBezTo>
-                  <a:pt x="264089" y="5723695"/>
-                  <a:pt x="307290" y="5935370"/>
-                  <a:pt x="365826" y="6142729"/>
-                </a:cubicBezTo>
-                <a:cubicBezTo>
-                  <a:pt x="433152" y="6380817"/>
-                  <a:pt x="510068" y="6614016"/>
-                  <a:pt x="597975" y="6841549"/>
-                </a:cubicBezTo>
-                <a:lnTo>
-                  <a:pt x="604824" y="6858000"/>
-                </a:lnTo>
-                <a:lnTo>
-                  <a:pt x="552056" y="6858000"/>
-                </a:lnTo>
-                <a:lnTo>
-                  <a:pt x="539576" y="6828295"/>
-                </a:lnTo>
-                <a:cubicBezTo>
-                  <a:pt x="380597" y="6414594"/>
-                  <a:pt x="260223" y="5988893"/>
-                  <a:pt x="171555" y="5552906"/>
-                </a:cubicBezTo>
-                <a:cubicBezTo>
-                  <a:pt x="91163" y="5157998"/>
-                  <a:pt x="43746" y="4758899"/>
-                  <a:pt x="12305" y="4357388"/>
-                </a:cubicBezTo>
-                <a:cubicBezTo>
-                  <a:pt x="-14281" y="4013908"/>
-                  <a:pt x="4507" y="3672965"/>
-                  <a:pt x="46684" y="3331516"/>
-                </a:cubicBezTo>
-                <a:cubicBezTo>
-                  <a:pt x="127203" y="2664286"/>
-                  <a:pt x="277819" y="2007265"/>
-                  <a:pt x="496065" y="1371196"/>
-                </a:cubicBezTo>
-                <a:cubicBezTo>
-                  <a:pt x="636273" y="966066"/>
-                  <a:pt x="800445" y="573253"/>
-                  <a:pt x="995723" y="196614"/>
-                </a:cubicBezTo>
-                <a:close/>
-              </a:path>
-            </a:pathLst>
-          </a:custGeom>
-        </p:spPr>
-      </p:pic>
-    </p:spTree>
-    <p:extLst>
-      <p:ext uri="{BB962C8B-B14F-4D97-AF65-F5344CB8AC3E}">
-        <p14:creationId xmlns:p14="http://schemas.microsoft.com/office/powerpoint/2010/main" val="1896741809"/>
-      </p:ext>
-    </p:extLst>
-  </p:cSld>
-  <p:clrMapOvr>
-    <a:masterClrMapping/>
-  </p:clrMapOvr>
-</p:sld>
-</file>
-
-<file path=ppt/slides/slide24.xml><?xml version="1.0" encoding="utf-8"?>
+<file path=ppt/slides/slide25.xml><?xml version="1.0" encoding="utf-8"?>
 <p:sld xmlns:a="http://schemas.openxmlformats.org/drawingml/2006/main" xmlns:r="http://schemas.openxmlformats.org/officeDocument/2006/relationships" xmlns:p="http://schemas.openxmlformats.org/presentationml/2006/main">
   <p:cSld>
     <p:bg>
@@ -14979,7 +14622,7 @@
 </p:sld>
 </file>
 
-<file path=ppt/slides/slide25.xml><?xml version="1.0" encoding="utf-8"?>
+<file path=ppt/slides/slide26.xml><?xml version="1.0" encoding="utf-8"?>
 <p:sld xmlns:a="http://schemas.openxmlformats.org/drawingml/2006/main" xmlns:r="http://schemas.openxmlformats.org/officeDocument/2006/relationships" xmlns:p="http://schemas.openxmlformats.org/presentationml/2006/main">
   <p:cSld>
     <p:bg>
@@ -15214,7 +14857,7 @@
 </p:sld>
 </file>
 
-<file path=ppt/slides/slide26.xml><?xml version="1.0" encoding="utf-8"?>
+<file path=ppt/slides/slide27.xml><?xml version="1.0" encoding="utf-8"?>
 <p:sld xmlns:a="http://schemas.openxmlformats.org/drawingml/2006/main" xmlns:r="http://schemas.openxmlformats.org/officeDocument/2006/relationships" xmlns:p="http://schemas.openxmlformats.org/presentationml/2006/main">
   <p:cSld>
     <p:bg>
@@ -15887,7 +15530,7 @@
 </p:sld>
 </file>
 
-<file path=ppt/slides/slide27.xml><?xml version="1.0" encoding="utf-8"?>
+<file path=ppt/slides/slide28.xml><?xml version="1.0" encoding="utf-8"?>
 <p:sld xmlns:a="http://schemas.openxmlformats.org/drawingml/2006/main" xmlns:r="http://schemas.openxmlformats.org/officeDocument/2006/relationships" xmlns:p="http://schemas.openxmlformats.org/presentationml/2006/main">
   <p:cSld>
     <p:bg>
